--- a/Project 1 Group 12 Presentation_CM.pptx
+++ b/Project 1 Group 12 Presentation_CM.pptx
@@ -217,7 +217,7 @@
           <a:p>
             <a:fld id="{FF01C324-1BDB-46BC-A742-C63537C312C1}" type="datetimeFigureOut">
               <a:rPr lang="en-US" smtClean="0"/>
-              <a:t>12/3/2024</a:t>
+              <a:t>12/4/2024</a:t>
             </a:fld>
             <a:endParaRPr lang="en-US"/>
           </a:p>
@@ -530,8 +530,100 @@
           <a:p>
             <a:r>
               <a:rPr lang="en-US" dirty="0"/>
-              <a:t>Talking points:</a:t>
-            </a:r>
+              <a:t>Talking points: </a:t>
+            </a:r>
+            <a:br>
+              <a:rPr lang="en-US" dirty="0"/>
+            </a:br>
+            <a:br>
+              <a:rPr lang="en-US" dirty="0"/>
+            </a:br>
+            <a:r>
+              <a:rPr lang="en-US" dirty="0"/>
+              <a:t>- Dataset is comprised of multiple CSVs: One containing individual customer attributes and another containing payment transaction attributes</a:t>
+            </a:r>
+          </a:p>
+          <a:p>
+            <a:pPr marL="171450" indent="-171450">
+              <a:buFontTx/>
+              <a:buChar char="-"/>
+            </a:pPr>
+            <a:r>
+              <a:rPr lang="en-US" dirty="0"/>
+              <a:t>These files required merging on the client ID of each individual customer</a:t>
+            </a:r>
+          </a:p>
+          <a:p>
+            <a:pPr marL="628650" lvl="1" indent="-171450">
+              <a:buFontTx/>
+              <a:buChar char="-"/>
+            </a:pPr>
+            <a:r>
+              <a:rPr lang="en-US" dirty="0"/>
+              <a:t>The </a:t>
+            </a:r>
+            <a:r>
+              <a:rPr lang="en-US" dirty="0" err="1"/>
+              <a:t>dataframe</a:t>
+            </a:r>
+            <a:r>
+              <a:rPr lang="en-US" dirty="0"/>
+              <a:t> contained approximately 1,700 individual client IDs after merging and outlier elimination.</a:t>
+            </a:r>
+          </a:p>
+          <a:p>
+            <a:pPr marL="171450" indent="-171450">
+              <a:buFontTx/>
+              <a:buChar char="-"/>
+            </a:pPr>
+            <a:r>
+              <a:rPr lang="en-US" dirty="0"/>
+              <a:t>The dataset is fictious, which limits its real-world use; however, inspiration for our effort came from multiple resources:</a:t>
+            </a:r>
+          </a:p>
+          <a:p>
+            <a:pPr marL="628650" lvl="1" indent="-171450">
+              <a:buFontTx/>
+              <a:buChar char="-"/>
+            </a:pPr>
+            <a:r>
+              <a:rPr lang="en-US" dirty="0"/>
+              <a:t>Post-pandemic focus on consumer spending, inflation, and debt are top of mind</a:t>
+            </a:r>
+          </a:p>
+          <a:p>
+            <a:pPr marL="628650" lvl="1" indent="-171450">
+              <a:buFontTx/>
+              <a:buChar char="-"/>
+            </a:pPr>
+            <a:r>
+              <a:rPr lang="en-US" dirty="0"/>
+              <a:t>Similar studies conducted by other organizations including </a:t>
+            </a:r>
+          </a:p>
+          <a:p>
+            <a:pPr marL="1085850" lvl="2" indent="-171450">
+              <a:buFontTx/>
+              <a:buChar char="-"/>
+            </a:pPr>
+            <a:r>
+              <a:rPr lang="en-US" dirty="0"/>
+              <a:t>Center for Economic and Policy Research study, “Before and After the Pandemic: Income Volatility, Health Care Affordability, and Debt”</a:t>
+            </a:r>
+          </a:p>
+          <a:p>
+            <a:pPr marL="1085850" lvl="2" indent="-171450">
+              <a:buFontTx/>
+              <a:buChar char="-"/>
+            </a:pPr>
+            <a:r>
+              <a:rPr lang="en-US" dirty="0"/>
+              <a:t>Financial Health Network’s study, “Financial Health Pulse 2023 U.S. Trends”</a:t>
+            </a:r>
+            <a:br>
+              <a:rPr lang="en-US" dirty="0"/>
+            </a:br>
+            <a:endParaRPr lang="en-US" dirty="0"/>
           </a:p>
           <a:p>
             <a:endParaRPr lang="en-US" dirty="0"/>
@@ -565,6 +657,822 @@
     <p:extLst>
       <p:ext uri="{BB962C8B-B14F-4D97-AF65-F5344CB8AC3E}">
         <p14:creationId xmlns:p14="http://schemas.microsoft.com/office/powerpoint/2010/main" val="403759440"/>
+      </p:ext>
+    </p:extLst>
+  </p:cSld>
+  <p:clrMapOvr>
+    <a:masterClrMapping/>
+  </p:clrMapOvr>
+</p:notes>
+</file>
+
+<file path=ppt/notesSlides/notesSlide2.xml><?xml version="1.0" encoding="utf-8"?>
+<p:notes xmlns:a="http://schemas.openxmlformats.org/drawingml/2006/main" xmlns:r="http://schemas.openxmlformats.org/officeDocument/2006/relationships" xmlns:p="http://schemas.openxmlformats.org/presentationml/2006/main">
+  <p:cSld>
+    <p:spTree>
+      <p:nvGrpSpPr>
+        <p:cNvPr id="1" name=""/>
+        <p:cNvGrpSpPr/>
+        <p:nvPr/>
+      </p:nvGrpSpPr>
+      <p:grpSpPr>
+        <a:xfrm>
+          <a:off x="0" y="0"/>
+          <a:ext cx="0" cy="0"/>
+          <a:chOff x="0" y="0"/>
+          <a:chExt cx="0" cy="0"/>
+        </a:xfrm>
+      </p:grpSpPr>
+      <p:sp>
+        <p:nvSpPr>
+          <p:cNvPr id="2" name="Slide Image Placeholder 1"/>
+          <p:cNvSpPr>
+            <a:spLocks noGrp="1" noRot="1" noChangeAspect="1"/>
+          </p:cNvSpPr>
+          <p:nvPr>
+            <p:ph type="sldImg"/>
+          </p:nvPr>
+        </p:nvSpPr>
+        <p:spPr/>
+      </p:sp>
+      <p:sp>
+        <p:nvSpPr>
+          <p:cNvPr id="3" name="Notes Placeholder 2"/>
+          <p:cNvSpPr>
+            <a:spLocks noGrp="1"/>
+          </p:cNvSpPr>
+          <p:nvPr>
+            <p:ph type="body" idx="1"/>
+          </p:nvPr>
+        </p:nvSpPr>
+        <p:spPr/>
+        <p:txBody>
+          <a:bodyPr/>
+          <a:lstStyle/>
+          <a:p>
+            <a:r>
+              <a:rPr lang="en-US" dirty="0"/>
+              <a:t>Talking Points:</a:t>
+            </a:r>
+          </a:p>
+          <a:p>
+            <a:pPr marL="171450" indent="-171450">
+              <a:buFontTx/>
+              <a:buChar char="-"/>
+            </a:pPr>
+            <a:r>
+              <a:rPr lang="en-US" dirty="0"/>
+              <a:t>Various forms of the debt-to-income ratio are used in the financial industry</a:t>
+            </a:r>
+          </a:p>
+          <a:p>
+            <a:pPr marL="628650" lvl="1" indent="-171450">
+              <a:buFontTx/>
+              <a:buChar char="-"/>
+            </a:pPr>
+            <a:r>
+              <a:rPr lang="en-US" dirty="0"/>
+              <a:t>The DTI is used to measure general financial health, creditworthiness, and financial stress</a:t>
+            </a:r>
+          </a:p>
+          <a:p>
+            <a:pPr marL="628650" lvl="1" indent="-171450">
+              <a:buFontTx/>
+              <a:buChar char="-"/>
+            </a:pPr>
+            <a:r>
+              <a:rPr lang="en-US" dirty="0"/>
+              <a:t>This is a known consideration in lending, credit scoring, and risk assessment.</a:t>
+            </a:r>
+          </a:p>
+          <a:p>
+            <a:pPr marL="628650" lvl="1" indent="-171450">
+              <a:buFontTx/>
+              <a:buChar char="-"/>
+            </a:pPr>
+            <a:r>
+              <a:rPr lang="en-US" dirty="0"/>
+              <a:t>This ratio provides a glance at individual debt payment obligations compared against income to determine financial health</a:t>
+            </a:r>
+          </a:p>
+          <a:p>
+            <a:pPr marL="171450" indent="-171450">
+              <a:buFontTx/>
+              <a:buChar char="-"/>
+            </a:pPr>
+            <a:r>
+              <a:rPr lang="en-US" dirty="0"/>
+              <a:t>Our analysis sought to use the DTI to test the following hypotheses:</a:t>
+            </a:r>
+          </a:p>
+          <a:p>
+            <a:pPr marL="628650" lvl="1" indent="-171450">
+              <a:buFontTx/>
+              <a:buChar char="-"/>
+            </a:pPr>
+            <a:r>
+              <a:rPr lang="en-US" dirty="0"/>
+              <a:t>Alternative: Customer demographics including age, gender, and income influence individual financial health (as measured by the DTI)</a:t>
+            </a:r>
+          </a:p>
+          <a:p>
+            <a:pPr marL="628650" marR="0" lvl="1" indent="-171450" algn="l" defTabSz="914400" rtl="0" eaLnBrk="1" fontAlgn="auto" latinLnBrk="0" hangingPunct="1">
+              <a:lnSpc>
+                <a:spcPct val="100000"/>
+              </a:lnSpc>
+              <a:spcBef>
+                <a:spcPts val="0"/>
+              </a:spcBef>
+              <a:spcAft>
+                <a:spcPts val="0"/>
+              </a:spcAft>
+              <a:buClrTx/>
+              <a:buSzTx/>
+              <a:buFontTx/>
+              <a:buChar char="-"/>
+              <a:tabLst/>
+              <a:defRPr/>
+            </a:pPr>
+            <a:r>
+              <a:rPr lang="en-US" dirty="0"/>
+              <a:t>Null: Customer demographics including age, gender, and income have no impact on individual financial health (as measured by the DTI)</a:t>
+            </a:r>
+          </a:p>
+          <a:p>
+            <a:pPr marL="628650" marR="0" lvl="1" indent="-171450" algn="l" defTabSz="914400" rtl="0" eaLnBrk="1" fontAlgn="auto" latinLnBrk="0" hangingPunct="1">
+              <a:lnSpc>
+                <a:spcPct val="100000"/>
+              </a:lnSpc>
+              <a:spcBef>
+                <a:spcPts val="0"/>
+              </a:spcBef>
+              <a:spcAft>
+                <a:spcPts val="0"/>
+              </a:spcAft>
+              <a:buClrTx/>
+              <a:buSzTx/>
+              <a:buFontTx/>
+              <a:buChar char="-"/>
+              <a:tabLst/>
+              <a:defRPr/>
+            </a:pPr>
+            <a:endParaRPr lang="en-US" dirty="0"/>
+          </a:p>
+          <a:p>
+            <a:pPr marL="628650" marR="0" lvl="1" indent="-171450" algn="l" defTabSz="914400" rtl="0" eaLnBrk="1" fontAlgn="auto" latinLnBrk="0" hangingPunct="1">
+              <a:lnSpc>
+                <a:spcPct val="100000"/>
+              </a:lnSpc>
+              <a:spcBef>
+                <a:spcPts val="0"/>
+              </a:spcBef>
+              <a:spcAft>
+                <a:spcPts val="0"/>
+              </a:spcAft>
+              <a:buClrTx/>
+              <a:buSzTx/>
+              <a:buFontTx/>
+              <a:buChar char="-"/>
+              <a:tabLst/>
+              <a:defRPr/>
+            </a:pPr>
+            <a:r>
+              <a:rPr lang="en-US" dirty="0"/>
+              <a:t>Alternative: Individual financial attributes including total debt, total card count, and credit score influence individual financial health (as measured by the DTI)</a:t>
+            </a:r>
+          </a:p>
+          <a:p>
+            <a:pPr marL="628650" marR="0" lvl="1" indent="-171450" algn="l" defTabSz="914400" rtl="0" eaLnBrk="1" fontAlgn="auto" latinLnBrk="0" hangingPunct="1">
+              <a:lnSpc>
+                <a:spcPct val="100000"/>
+              </a:lnSpc>
+              <a:spcBef>
+                <a:spcPts val="0"/>
+              </a:spcBef>
+              <a:spcAft>
+                <a:spcPts val="0"/>
+              </a:spcAft>
+              <a:buClrTx/>
+              <a:buSzTx/>
+              <a:buFontTx/>
+              <a:buChar char="-"/>
+              <a:tabLst/>
+              <a:defRPr/>
+            </a:pPr>
+            <a:r>
+              <a:rPr lang="en-US" dirty="0"/>
+              <a:t>Null: Individual financial attributes including total debt, total card count, and credit score have no impact on individual financial health (as measured by the DTI)</a:t>
+            </a:r>
+          </a:p>
+          <a:p>
+            <a:pPr marL="628650" marR="0" lvl="1" indent="-171450" algn="l" defTabSz="914400" rtl="0" eaLnBrk="1" fontAlgn="auto" latinLnBrk="0" hangingPunct="1">
+              <a:lnSpc>
+                <a:spcPct val="100000"/>
+              </a:lnSpc>
+              <a:spcBef>
+                <a:spcPts val="0"/>
+              </a:spcBef>
+              <a:spcAft>
+                <a:spcPts val="0"/>
+              </a:spcAft>
+              <a:buClrTx/>
+              <a:buSzTx/>
+              <a:buFontTx/>
+              <a:buChar char="-"/>
+              <a:tabLst/>
+              <a:defRPr/>
+            </a:pPr>
+            <a:endParaRPr lang="en-US" dirty="0"/>
+          </a:p>
+          <a:p>
+            <a:pPr marL="628650" lvl="1" indent="-171450">
+              <a:buFontTx/>
+              <a:buChar char="-"/>
+            </a:pPr>
+            <a:r>
+              <a:rPr lang="en-US" dirty="0"/>
+              <a:t>Alternative: Customer geographic information including state, region, and per-capita-income influence individual financial health (as measured by the DTI)</a:t>
+            </a:r>
+          </a:p>
+          <a:p>
+            <a:pPr marL="628650" lvl="1" indent="-171450">
+              <a:buFontTx/>
+              <a:buChar char="-"/>
+            </a:pPr>
+            <a:r>
+              <a:rPr lang="en-US" dirty="0"/>
+              <a:t>Null: Customer geographic information including state, region, and per-capita-income have no impact on individual financial health (as measured by the DTI)</a:t>
+            </a:r>
+          </a:p>
+          <a:p>
+            <a:pPr marL="628650" marR="0" lvl="1" indent="-171450" algn="l" defTabSz="914400" rtl="0" eaLnBrk="1" fontAlgn="auto" latinLnBrk="0" hangingPunct="1">
+              <a:lnSpc>
+                <a:spcPct val="100000"/>
+              </a:lnSpc>
+              <a:spcBef>
+                <a:spcPts val="0"/>
+              </a:spcBef>
+              <a:spcAft>
+                <a:spcPts val="0"/>
+              </a:spcAft>
+              <a:buClrTx/>
+              <a:buSzTx/>
+              <a:buFontTx/>
+              <a:buChar char="-"/>
+              <a:tabLst/>
+              <a:defRPr/>
+            </a:pPr>
+            <a:endParaRPr lang="en-US" dirty="0"/>
+          </a:p>
+          <a:p>
+            <a:pPr marL="628650" marR="0" lvl="1" indent="-171450" algn="l" defTabSz="914400" rtl="0" eaLnBrk="1" fontAlgn="auto" latinLnBrk="0" hangingPunct="1">
+              <a:lnSpc>
+                <a:spcPct val="100000"/>
+              </a:lnSpc>
+              <a:spcBef>
+                <a:spcPts val="0"/>
+              </a:spcBef>
+              <a:spcAft>
+                <a:spcPts val="0"/>
+              </a:spcAft>
+              <a:buClrTx/>
+              <a:buSzTx/>
+              <a:buFontTx/>
+              <a:buChar char="-"/>
+              <a:tabLst/>
+              <a:defRPr/>
+            </a:pPr>
+            <a:endParaRPr lang="en-US" dirty="0"/>
+          </a:p>
+          <a:p>
+            <a:pPr marL="628650" marR="0" lvl="1" indent="-171450" algn="l" defTabSz="914400" rtl="0" eaLnBrk="1" fontAlgn="auto" latinLnBrk="0" hangingPunct="1">
+              <a:lnSpc>
+                <a:spcPct val="100000"/>
+              </a:lnSpc>
+              <a:spcBef>
+                <a:spcPts val="0"/>
+              </a:spcBef>
+              <a:spcAft>
+                <a:spcPts val="0"/>
+              </a:spcAft>
+              <a:buClrTx/>
+              <a:buSzTx/>
+              <a:buFontTx/>
+              <a:buChar char="-"/>
+              <a:tabLst/>
+              <a:defRPr/>
+            </a:pPr>
+            <a:endParaRPr lang="en-US" dirty="0"/>
+          </a:p>
+          <a:p>
+            <a:pPr marL="628650" lvl="1" indent="-171450">
+              <a:buFontTx/>
+              <a:buChar char="-"/>
+            </a:pPr>
+            <a:endParaRPr lang="en-US" dirty="0"/>
+          </a:p>
+        </p:txBody>
+      </p:sp>
+      <p:sp>
+        <p:nvSpPr>
+          <p:cNvPr id="4" name="Slide Number Placeholder 3"/>
+          <p:cNvSpPr>
+            <a:spLocks noGrp="1"/>
+          </p:cNvSpPr>
+          <p:nvPr>
+            <p:ph type="sldNum" sz="quarter" idx="5"/>
+          </p:nvPr>
+        </p:nvSpPr>
+        <p:spPr/>
+        <p:txBody>
+          <a:bodyPr/>
+          <a:lstStyle/>
+          <a:p>
+            <a:fld id="{529C7944-F706-43BC-9188-0416C1174C85}" type="slidenum">
+              <a:rPr lang="en-US" smtClean="0"/>
+              <a:t>3</a:t>
+            </a:fld>
+            <a:endParaRPr lang="en-US"/>
+          </a:p>
+        </p:txBody>
+      </p:sp>
+    </p:spTree>
+    <p:extLst>
+      <p:ext uri="{BB962C8B-B14F-4D97-AF65-F5344CB8AC3E}">
+        <p14:creationId xmlns:p14="http://schemas.microsoft.com/office/powerpoint/2010/main" val="3794236094"/>
+      </p:ext>
+    </p:extLst>
+  </p:cSld>
+  <p:clrMapOvr>
+    <a:masterClrMapping/>
+  </p:clrMapOvr>
+</p:notes>
+</file>
+
+<file path=ppt/notesSlides/notesSlide3.xml><?xml version="1.0" encoding="utf-8"?>
+<p:notes xmlns:a="http://schemas.openxmlformats.org/drawingml/2006/main" xmlns:r="http://schemas.openxmlformats.org/officeDocument/2006/relationships" xmlns:p="http://schemas.openxmlformats.org/presentationml/2006/main">
+  <p:cSld>
+    <p:spTree>
+      <p:nvGrpSpPr>
+        <p:cNvPr id="1" name=""/>
+        <p:cNvGrpSpPr/>
+        <p:nvPr/>
+      </p:nvGrpSpPr>
+      <p:grpSpPr>
+        <a:xfrm>
+          <a:off x="0" y="0"/>
+          <a:ext cx="0" cy="0"/>
+          <a:chOff x="0" y="0"/>
+          <a:chExt cx="0" cy="0"/>
+        </a:xfrm>
+      </p:grpSpPr>
+      <p:sp>
+        <p:nvSpPr>
+          <p:cNvPr id="2" name="Slide Image Placeholder 1"/>
+          <p:cNvSpPr>
+            <a:spLocks noGrp="1" noRot="1" noChangeAspect="1"/>
+          </p:cNvSpPr>
+          <p:nvPr>
+            <p:ph type="sldImg"/>
+          </p:nvPr>
+        </p:nvSpPr>
+        <p:spPr/>
+      </p:sp>
+      <p:sp>
+        <p:nvSpPr>
+          <p:cNvPr id="3" name="Notes Placeholder 2"/>
+          <p:cNvSpPr>
+            <a:spLocks noGrp="1"/>
+          </p:cNvSpPr>
+          <p:nvPr>
+            <p:ph type="body" idx="1"/>
+          </p:nvPr>
+        </p:nvSpPr>
+        <p:spPr/>
+        <p:txBody>
+          <a:bodyPr/>
+          <a:lstStyle/>
+          <a:p>
+            <a:r>
+              <a:rPr lang="en-US" dirty="0"/>
+              <a:t>Speaking points: Looking at average per-capita income by state shows a clear geographical difference in incomes. </a:t>
+            </a:r>
+          </a:p>
+          <a:p>
+            <a:pPr marL="171450" indent="-171450">
+              <a:buFontTx/>
+              <a:buChar char="-"/>
+            </a:pPr>
+            <a:r>
+              <a:rPr lang="en-US" dirty="0"/>
+              <a:t>This is a known factor from other studies that look at regional income and cost of living (used in wage assignments, benefit allocations, and other financial assessments</a:t>
+            </a:r>
+          </a:p>
+          <a:p>
+            <a:pPr marL="171450" indent="-171450">
+              <a:buFontTx/>
+              <a:buChar char="-"/>
+            </a:pPr>
+            <a:r>
+              <a:rPr lang="en-US" dirty="0"/>
+              <a:t>The team’s assumption was that states and regions with lower per-capita income may rely on debt spending more than regions with notably higher per-capita-income, which would result in a higher DTI.</a:t>
+            </a:r>
+          </a:p>
+        </p:txBody>
+      </p:sp>
+      <p:sp>
+        <p:nvSpPr>
+          <p:cNvPr id="4" name="Slide Number Placeholder 3"/>
+          <p:cNvSpPr>
+            <a:spLocks noGrp="1"/>
+          </p:cNvSpPr>
+          <p:nvPr>
+            <p:ph type="sldNum" sz="quarter" idx="5"/>
+          </p:nvPr>
+        </p:nvSpPr>
+        <p:spPr/>
+        <p:txBody>
+          <a:bodyPr/>
+          <a:lstStyle/>
+          <a:p>
+            <a:fld id="{529C7944-F706-43BC-9188-0416C1174C85}" type="slidenum">
+              <a:rPr lang="en-US" smtClean="0"/>
+              <a:t>11</a:t>
+            </a:fld>
+            <a:endParaRPr lang="en-US"/>
+          </a:p>
+        </p:txBody>
+      </p:sp>
+    </p:spTree>
+    <p:extLst>
+      <p:ext uri="{BB962C8B-B14F-4D97-AF65-F5344CB8AC3E}">
+        <p14:creationId xmlns:p14="http://schemas.microsoft.com/office/powerpoint/2010/main" val="1734258205"/>
+      </p:ext>
+    </p:extLst>
+  </p:cSld>
+  <p:clrMapOvr>
+    <a:masterClrMapping/>
+  </p:clrMapOvr>
+</p:notes>
+</file>
+
+<file path=ppt/notesSlides/notesSlide4.xml><?xml version="1.0" encoding="utf-8"?>
+<p:notes xmlns:a="http://schemas.openxmlformats.org/drawingml/2006/main" xmlns:r="http://schemas.openxmlformats.org/officeDocument/2006/relationships" xmlns:p="http://schemas.openxmlformats.org/presentationml/2006/main">
+  <p:cSld>
+    <p:spTree>
+      <p:nvGrpSpPr>
+        <p:cNvPr id="1" name=""/>
+        <p:cNvGrpSpPr/>
+        <p:nvPr/>
+      </p:nvGrpSpPr>
+      <p:grpSpPr>
+        <a:xfrm>
+          <a:off x="0" y="0"/>
+          <a:ext cx="0" cy="0"/>
+          <a:chOff x="0" y="0"/>
+          <a:chExt cx="0" cy="0"/>
+        </a:xfrm>
+      </p:grpSpPr>
+      <p:sp>
+        <p:nvSpPr>
+          <p:cNvPr id="2" name="Slide Image Placeholder 1"/>
+          <p:cNvSpPr>
+            <a:spLocks noGrp="1" noRot="1" noChangeAspect="1"/>
+          </p:cNvSpPr>
+          <p:nvPr>
+            <p:ph type="sldImg"/>
+          </p:nvPr>
+        </p:nvSpPr>
+        <p:spPr/>
+      </p:sp>
+      <p:sp>
+        <p:nvSpPr>
+          <p:cNvPr id="3" name="Notes Placeholder 2"/>
+          <p:cNvSpPr>
+            <a:spLocks noGrp="1"/>
+          </p:cNvSpPr>
+          <p:nvPr>
+            <p:ph type="body" idx="1"/>
+          </p:nvPr>
+        </p:nvSpPr>
+        <p:spPr/>
+        <p:txBody>
+          <a:bodyPr/>
+          <a:lstStyle/>
+          <a:p>
+            <a:r>
+              <a:rPr lang="en-US" dirty="0"/>
+              <a:t>Speaking notes: Initial assessment looked at debt by state, using the </a:t>
+            </a:r>
+            <a:r>
+              <a:rPr lang="en-US" dirty="0" err="1"/>
+              <a:t>dataframe</a:t>
+            </a:r>
+            <a:r>
+              <a:rPr lang="en-US" dirty="0"/>
+              <a:t> population with debt and income outliers removed to smooth the data. </a:t>
+            </a:r>
+          </a:p>
+          <a:p>
+            <a:r>
+              <a:rPr lang="en-US" dirty="0"/>
+              <a:t>- The gradient shows highest total debt (red) to lowest total debt (green) across the scatterplot across </a:t>
+            </a:r>
+          </a:p>
+        </p:txBody>
+      </p:sp>
+      <p:sp>
+        <p:nvSpPr>
+          <p:cNvPr id="4" name="Slide Number Placeholder 3"/>
+          <p:cNvSpPr>
+            <a:spLocks noGrp="1"/>
+          </p:cNvSpPr>
+          <p:nvPr>
+            <p:ph type="sldNum" sz="quarter" idx="5"/>
+          </p:nvPr>
+        </p:nvSpPr>
+        <p:spPr/>
+        <p:txBody>
+          <a:bodyPr/>
+          <a:lstStyle/>
+          <a:p>
+            <a:fld id="{529C7944-F706-43BC-9188-0416C1174C85}" type="slidenum">
+              <a:rPr lang="en-US" smtClean="0"/>
+              <a:t>12</a:t>
+            </a:fld>
+            <a:endParaRPr lang="en-US"/>
+          </a:p>
+        </p:txBody>
+      </p:sp>
+    </p:spTree>
+    <p:extLst>
+      <p:ext uri="{BB962C8B-B14F-4D97-AF65-F5344CB8AC3E}">
+        <p14:creationId xmlns:p14="http://schemas.microsoft.com/office/powerpoint/2010/main" val="2873341527"/>
+      </p:ext>
+    </p:extLst>
+  </p:cSld>
+  <p:clrMapOvr>
+    <a:masterClrMapping/>
+  </p:clrMapOvr>
+</p:notes>
+</file>
+
+<file path=ppt/notesSlides/notesSlide5.xml><?xml version="1.0" encoding="utf-8"?>
+<p:notes xmlns:a="http://schemas.openxmlformats.org/drawingml/2006/main" xmlns:r="http://schemas.openxmlformats.org/officeDocument/2006/relationships" xmlns:p="http://schemas.openxmlformats.org/presentationml/2006/main">
+  <p:cSld>
+    <p:spTree>
+      <p:nvGrpSpPr>
+        <p:cNvPr id="1" name=""/>
+        <p:cNvGrpSpPr/>
+        <p:nvPr/>
+      </p:nvGrpSpPr>
+      <p:grpSpPr>
+        <a:xfrm>
+          <a:off x="0" y="0"/>
+          <a:ext cx="0" cy="0"/>
+          <a:chOff x="0" y="0"/>
+          <a:chExt cx="0" cy="0"/>
+        </a:xfrm>
+      </p:grpSpPr>
+      <p:sp>
+        <p:nvSpPr>
+          <p:cNvPr id="2" name="Slide Image Placeholder 1"/>
+          <p:cNvSpPr>
+            <a:spLocks noGrp="1" noRot="1" noChangeAspect="1"/>
+          </p:cNvSpPr>
+          <p:nvPr>
+            <p:ph type="sldImg"/>
+          </p:nvPr>
+        </p:nvSpPr>
+        <p:spPr/>
+      </p:sp>
+      <p:sp>
+        <p:nvSpPr>
+          <p:cNvPr id="3" name="Notes Placeholder 2"/>
+          <p:cNvSpPr>
+            <a:spLocks noGrp="1"/>
+          </p:cNvSpPr>
+          <p:nvPr>
+            <p:ph type="body" idx="1"/>
+          </p:nvPr>
+        </p:nvSpPr>
+        <p:spPr/>
+        <p:txBody>
+          <a:bodyPr/>
+          <a:lstStyle/>
+          <a:p>
+            <a:r>
+              <a:rPr lang="en-US" dirty="0"/>
+              <a:t>Speaking notes: Secondary assessment looked at DTI by state, using the </a:t>
+            </a:r>
+            <a:r>
+              <a:rPr lang="en-US" dirty="0" err="1"/>
+              <a:t>dataframe</a:t>
+            </a:r>
+            <a:r>
+              <a:rPr lang="en-US" dirty="0"/>
+              <a:t> population with debt and income outliers removed to smooth the data. </a:t>
+            </a:r>
+          </a:p>
+          <a:p>
+            <a:pPr marL="171450" indent="-171450">
+              <a:buFontTx/>
+              <a:buChar char="-"/>
+            </a:pPr>
+            <a:r>
+              <a:rPr lang="en-US" dirty="0"/>
+              <a:t>The gradient shows highest DTI (red) to lowest DTI (green) across the scatterplot across </a:t>
+            </a:r>
+          </a:p>
+          <a:p>
+            <a:pPr marL="171450" indent="-171450">
+              <a:buFontTx/>
+              <a:buChar char="-"/>
+            </a:pPr>
+            <a:r>
+              <a:rPr lang="en-US" dirty="0"/>
+              <a:t>The DTI view tightened the variance between the population of states, and served as our geographic plot</a:t>
+            </a:r>
+          </a:p>
+          <a:p>
+            <a:endParaRPr lang="en-US" dirty="0"/>
+          </a:p>
+        </p:txBody>
+      </p:sp>
+      <p:sp>
+        <p:nvSpPr>
+          <p:cNvPr id="4" name="Slide Number Placeholder 3"/>
+          <p:cNvSpPr>
+            <a:spLocks noGrp="1"/>
+          </p:cNvSpPr>
+          <p:nvPr>
+            <p:ph type="sldNum" sz="quarter" idx="5"/>
+          </p:nvPr>
+        </p:nvSpPr>
+        <p:spPr/>
+        <p:txBody>
+          <a:bodyPr/>
+          <a:lstStyle/>
+          <a:p>
+            <a:fld id="{529C7944-F706-43BC-9188-0416C1174C85}" type="slidenum">
+              <a:rPr lang="en-US" smtClean="0"/>
+              <a:t>13</a:t>
+            </a:fld>
+            <a:endParaRPr lang="en-US"/>
+          </a:p>
+        </p:txBody>
+      </p:sp>
+    </p:spTree>
+    <p:extLst>
+      <p:ext uri="{BB962C8B-B14F-4D97-AF65-F5344CB8AC3E}">
+        <p14:creationId xmlns:p14="http://schemas.microsoft.com/office/powerpoint/2010/main" val="2373694529"/>
+      </p:ext>
+    </p:extLst>
+  </p:cSld>
+  <p:clrMapOvr>
+    <a:masterClrMapping/>
+  </p:clrMapOvr>
+</p:notes>
+</file>
+
+<file path=ppt/notesSlides/notesSlide6.xml><?xml version="1.0" encoding="utf-8"?>
+<p:notes xmlns:a="http://schemas.openxmlformats.org/drawingml/2006/main" xmlns:r="http://schemas.openxmlformats.org/officeDocument/2006/relationships" xmlns:p="http://schemas.openxmlformats.org/presentationml/2006/main">
+  <p:cSld>
+    <p:spTree>
+      <p:nvGrpSpPr>
+        <p:cNvPr id="1" name=""/>
+        <p:cNvGrpSpPr/>
+        <p:nvPr/>
+      </p:nvGrpSpPr>
+      <p:grpSpPr>
+        <a:xfrm>
+          <a:off x="0" y="0"/>
+          <a:ext cx="0" cy="0"/>
+          <a:chOff x="0" y="0"/>
+          <a:chExt cx="0" cy="0"/>
+        </a:xfrm>
+      </p:grpSpPr>
+      <p:sp>
+        <p:nvSpPr>
+          <p:cNvPr id="2" name="Slide Image Placeholder 1"/>
+          <p:cNvSpPr>
+            <a:spLocks noGrp="1" noRot="1" noChangeAspect="1"/>
+          </p:cNvSpPr>
+          <p:nvPr>
+            <p:ph type="sldImg"/>
+          </p:nvPr>
+        </p:nvSpPr>
+        <p:spPr/>
+      </p:sp>
+      <p:sp>
+        <p:nvSpPr>
+          <p:cNvPr id="3" name="Notes Placeholder 2"/>
+          <p:cNvSpPr>
+            <a:spLocks noGrp="1"/>
+          </p:cNvSpPr>
+          <p:nvPr>
+            <p:ph type="body" idx="1"/>
+          </p:nvPr>
+        </p:nvSpPr>
+        <p:spPr/>
+        <p:txBody>
+          <a:bodyPr/>
+          <a:lstStyle/>
+          <a:p>
+            <a:r>
+              <a:rPr lang="en-US" dirty="0"/>
+              <a:t>Speaking notes:</a:t>
+            </a:r>
+          </a:p>
+          <a:p>
+            <a:pPr marL="171450" indent="-171450">
+              <a:buFontTx/>
+              <a:buChar char="-"/>
+            </a:pPr>
+            <a:r>
+              <a:rPr lang="en-US" dirty="0"/>
+              <a:t>Plotting DTI by state geographically did not show any apparent geographical relationship to DTI. </a:t>
+            </a:r>
+          </a:p>
+          <a:p>
+            <a:pPr marL="171450" indent="-171450">
+              <a:buFontTx/>
+              <a:buChar char="-"/>
+            </a:pPr>
+            <a:r>
+              <a:rPr lang="en-US" dirty="0"/>
+              <a:t>There was relatively even distribution of high and low DTI across the map</a:t>
+            </a:r>
+          </a:p>
+          <a:p>
+            <a:pPr marL="171450" indent="-171450">
+              <a:buFontTx/>
+              <a:buChar char="-"/>
+            </a:pPr>
+            <a:r>
+              <a:rPr lang="en-US" dirty="0"/>
+              <a:t>The only exceptions observed were in the northern plains region (MT, WY, SD) and the East Coast Metro region (PA, NY, NJ, and surrounding states)</a:t>
+            </a:r>
+          </a:p>
+          <a:p>
+            <a:pPr marL="628650" lvl="1" indent="-171450">
+              <a:buFontTx/>
+              <a:buChar char="-"/>
+            </a:pPr>
+            <a:r>
+              <a:rPr lang="en-US" dirty="0"/>
+              <a:t>The northern plains region showed a grouping of low DTI states. This may be a result of small sample sizes for these states, however. </a:t>
+            </a:r>
+          </a:p>
+          <a:p>
+            <a:pPr marL="628650" lvl="1" indent="-171450">
+              <a:buFontTx/>
+              <a:buChar char="-"/>
+            </a:pPr>
+            <a:r>
+              <a:rPr lang="en-US" dirty="0"/>
+              <a:t>The East coast metro region showed DTI more consistently around the median of DTI by state</a:t>
+            </a:r>
+          </a:p>
+          <a:p>
+            <a:pPr marL="628650" lvl="1" indent="-171450">
+              <a:buFontTx/>
+              <a:buChar char="-"/>
+            </a:pPr>
+            <a:r>
+              <a:rPr lang="en-US" dirty="0"/>
+              <a:t>Both would require further investigation to prove out, however.</a:t>
+            </a:r>
+          </a:p>
+        </p:txBody>
+      </p:sp>
+      <p:sp>
+        <p:nvSpPr>
+          <p:cNvPr id="4" name="Slide Number Placeholder 3"/>
+          <p:cNvSpPr>
+            <a:spLocks noGrp="1"/>
+          </p:cNvSpPr>
+          <p:nvPr>
+            <p:ph type="sldNum" sz="quarter" idx="5"/>
+          </p:nvPr>
+        </p:nvSpPr>
+        <p:spPr/>
+        <p:txBody>
+          <a:bodyPr/>
+          <a:lstStyle/>
+          <a:p>
+            <a:fld id="{529C7944-F706-43BC-9188-0416C1174C85}" type="slidenum">
+              <a:rPr lang="en-US" smtClean="0"/>
+              <a:t>14</a:t>
+            </a:fld>
+            <a:endParaRPr lang="en-US"/>
+          </a:p>
+        </p:txBody>
+      </p:sp>
+    </p:spTree>
+    <p:extLst>
+      <p:ext uri="{BB962C8B-B14F-4D97-AF65-F5344CB8AC3E}">
+        <p14:creationId xmlns:p14="http://schemas.microsoft.com/office/powerpoint/2010/main" val="1945217849"/>
       </p:ext>
     </p:extLst>
   </p:cSld>
@@ -905,7 +1813,7 @@
           <a:p>
             <a:fld id="{689C8980-B55D-4848-95F6-42353735C198}" type="datetimeFigureOut">
               <a:rPr lang="en-US" smtClean="0"/>
-              <a:t>12/3/2024</a:t>
+              <a:t>12/4/2024</a:t>
             </a:fld>
             <a:endParaRPr lang="en-US"/>
           </a:p>
@@ -1229,7 +2137,7 @@
           <a:p>
             <a:fld id="{689C8980-B55D-4848-95F6-42353735C198}" type="datetimeFigureOut">
               <a:rPr lang="en-US" smtClean="0"/>
-              <a:t>12/3/2024</a:t>
+              <a:t>12/4/2024</a:t>
             </a:fld>
             <a:endParaRPr lang="en-US"/>
           </a:p>
@@ -1477,7 +2385,7 @@
           <a:p>
             <a:fld id="{689C8980-B55D-4848-95F6-42353735C198}" type="datetimeFigureOut">
               <a:rPr lang="en-US" smtClean="0"/>
-              <a:t>12/3/2024</a:t>
+              <a:t>12/4/2024</a:t>
             </a:fld>
             <a:endParaRPr lang="en-US"/>
           </a:p>
@@ -1816,7 +2724,7 @@
           <a:p>
             <a:fld id="{689C8980-B55D-4848-95F6-42353735C198}" type="datetimeFigureOut">
               <a:rPr lang="en-US" smtClean="0"/>
-              <a:t>12/3/2024</a:t>
+              <a:t>12/4/2024</a:t>
             </a:fld>
             <a:endParaRPr lang="en-US"/>
           </a:p>
@@ -2163,7 +3071,7 @@
           <a:p>
             <a:fld id="{689C8980-B55D-4848-95F6-42353735C198}" type="datetimeFigureOut">
               <a:rPr lang="en-US" smtClean="0"/>
-              <a:t>12/3/2024</a:t>
+              <a:t>12/4/2024</a:t>
             </a:fld>
             <a:endParaRPr lang="en-US"/>
           </a:p>
@@ -2537,7 +3445,7 @@
           <a:p>
             <a:fld id="{689C8980-B55D-4848-95F6-42353735C198}" type="datetimeFigureOut">
               <a:rPr lang="en-US" smtClean="0"/>
-              <a:t>12/3/2024</a:t>
+              <a:t>12/4/2024</a:t>
             </a:fld>
             <a:endParaRPr lang="en-US"/>
           </a:p>
@@ -3007,7 +3915,7 @@
           <a:p>
             <a:fld id="{689C8980-B55D-4848-95F6-42353735C198}" type="datetimeFigureOut">
               <a:rPr lang="en-US" smtClean="0"/>
-              <a:t>12/3/2024</a:t>
+              <a:t>12/4/2024</a:t>
             </a:fld>
             <a:endParaRPr lang="en-US"/>
           </a:p>
@@ -3212,7 +4120,7 @@
           <a:p>
             <a:fld id="{689C8980-B55D-4848-95F6-42353735C198}" type="datetimeFigureOut">
               <a:rPr lang="en-US" smtClean="0"/>
-              <a:t>12/3/2024</a:t>
+              <a:t>12/4/2024</a:t>
             </a:fld>
             <a:endParaRPr lang="en-US"/>
           </a:p>
@@ -3423,7 +4331,7 @@
           <a:p>
             <a:fld id="{689C8980-B55D-4848-95F6-42353735C198}" type="datetimeFigureOut">
               <a:rPr lang="en-US" smtClean="0"/>
-              <a:t>12/3/2024</a:t>
+              <a:t>12/4/2024</a:t>
             </a:fld>
             <a:endParaRPr lang="en-US"/>
           </a:p>
@@ -3655,7 +4563,7 @@
           <a:p>
             <a:fld id="{689C8980-B55D-4848-95F6-42353735C198}" type="datetimeFigureOut">
               <a:rPr lang="en-US" smtClean="0"/>
-              <a:t>12/3/2024</a:t>
+              <a:t>12/4/2024</a:t>
             </a:fld>
             <a:endParaRPr lang="en-US"/>
           </a:p>
@@ -3903,7 +4811,7 @@
           <a:p>
             <a:fld id="{689C8980-B55D-4848-95F6-42353735C198}" type="datetimeFigureOut">
               <a:rPr lang="en-US" smtClean="0"/>
-              <a:t>12/3/2024</a:t>
+              <a:t>12/4/2024</a:t>
             </a:fld>
             <a:endParaRPr lang="en-US"/>
           </a:p>
@@ -4201,7 +5109,7 @@
           <a:p>
             <a:fld id="{689C8980-B55D-4848-95F6-42353735C198}" type="datetimeFigureOut">
               <a:rPr lang="en-US" smtClean="0"/>
-              <a:t>12/3/2024</a:t>
+              <a:t>12/4/2024</a:t>
             </a:fld>
             <a:endParaRPr lang="en-US"/>
           </a:p>
@@ -4595,7 +5503,7 @@
           <a:p>
             <a:fld id="{689C8980-B55D-4848-95F6-42353735C198}" type="datetimeFigureOut">
               <a:rPr lang="en-US" smtClean="0"/>
-              <a:t>12/3/2024</a:t>
+              <a:t>12/4/2024</a:t>
             </a:fld>
             <a:endParaRPr lang="en-US"/>
           </a:p>
@@ -4744,7 +5652,7 @@
           <a:p>
             <a:fld id="{689C8980-B55D-4848-95F6-42353735C198}" type="datetimeFigureOut">
               <a:rPr lang="en-US" smtClean="0"/>
-              <a:t>12/3/2024</a:t>
+              <a:t>12/4/2024</a:t>
             </a:fld>
             <a:endParaRPr lang="en-US"/>
           </a:p>
@@ -4870,7 +5778,7 @@
           <a:p>
             <a:fld id="{689C8980-B55D-4848-95F6-42353735C198}" type="datetimeFigureOut">
               <a:rPr lang="en-US" smtClean="0"/>
-              <a:t>12/3/2024</a:t>
+              <a:t>12/4/2024</a:t>
             </a:fld>
             <a:endParaRPr lang="en-US"/>
           </a:p>
@@ -5125,7 +6033,7 @@
           <a:p>
             <a:fld id="{689C8980-B55D-4848-95F6-42353735C198}" type="datetimeFigureOut">
               <a:rPr lang="en-US" smtClean="0"/>
-              <a:t>12/3/2024</a:t>
+              <a:t>12/4/2024</a:t>
             </a:fld>
             <a:endParaRPr lang="en-US"/>
           </a:p>
@@ -5440,7 +6348,7 @@
           <a:p>
             <a:fld id="{689C8980-B55D-4848-95F6-42353735C198}" type="datetimeFigureOut">
               <a:rPr lang="en-US" smtClean="0"/>
-              <a:t>12/3/2024</a:t>
+              <a:t>12/4/2024</a:t>
             </a:fld>
             <a:endParaRPr lang="en-US"/>
           </a:p>
@@ -5791,7 +6699,7 @@
           <a:p>
             <a:fld id="{689C8980-B55D-4848-95F6-42353735C198}" type="datetimeFigureOut">
               <a:rPr lang="en-US" smtClean="0"/>
-              <a:t>12/3/2024</a:t>
+              <a:t>12/4/2024</a:t>
             </a:fld>
             <a:endParaRPr lang="en-US"/>
           </a:p>
@@ -6557,6 +7465,36 @@
           </a:p>
         </p:txBody>
       </p:sp>
+      <p:pic>
+        <p:nvPicPr>
+          <p:cNvPr id="9" name="Picture 8">
+            <a:extLst>
+              <a:ext uri="{FF2B5EF4-FFF2-40B4-BE49-F238E27FC236}">
+                <a16:creationId xmlns:a16="http://schemas.microsoft.com/office/drawing/2014/main" id="{3BFD8D15-1243-A750-C01C-CC51F1A3CBDB}"/>
+              </a:ext>
+            </a:extLst>
+          </p:cNvPr>
+          <p:cNvPicPr>
+            <a:picLocks noChangeAspect="1"/>
+          </p:cNvPicPr>
+          <p:nvPr/>
+        </p:nvPicPr>
+        <p:blipFill>
+          <a:blip r:embed="rId2"/>
+          <a:stretch>
+            <a:fillRect/>
+          </a:stretch>
+        </p:blipFill>
+        <p:spPr>
+          <a:xfrm>
+            <a:off x="2085415" y="3429000"/>
+            <a:ext cx="8021169" cy="2667372"/>
+          </a:xfrm>
+          <a:prstGeom prst="rect">
+            <a:avLst/>
+          </a:prstGeom>
+        </p:spPr>
+      </p:pic>
     </p:spTree>
     <p:extLst>
       <p:ext uri="{BB962C8B-B14F-4D97-AF65-F5344CB8AC3E}">
@@ -6602,7 +7540,7 @@
           <p:nvPr/>
         </p:nvPicPr>
         <p:blipFill>
-          <a:blip r:embed="rId2"/>
+          <a:blip r:embed="rId3"/>
           <a:stretch>
             <a:fillRect/>
           </a:stretch>
@@ -6662,7 +7600,7 @@
           <p:nvPr/>
         </p:nvPicPr>
         <p:blipFill>
-          <a:blip r:embed="rId2"/>
+          <a:blip r:embed="rId3"/>
           <a:stretch>
             <a:fillRect/>
           </a:stretch>
@@ -6728,7 +7666,7 @@
           <p:nvPr/>
         </p:nvPicPr>
         <p:blipFill>
-          <a:blip r:embed="rId2"/>
+          <a:blip r:embed="rId3"/>
           <a:stretch>
             <a:fillRect/>
           </a:stretch>
@@ -6762,7 +7700,7 @@
     <p:bg>
       <p:bgPr>
         <a:blipFill>
-          <a:blip r:embed="rId2"/>
+          <a:blip r:embed="rId3"/>
           <a:stretch/>
         </a:blipFill>
         <a:effectLst/>
@@ -7060,7 +7998,7 @@
             </p:nvPr>
           </p:nvPicPr>
           <p:blipFill rotWithShape="1">
-            <a:blip r:embed="rId3">
+            <a:blip r:embed="rId4">
               <a:extLst>
                 <a:ext uri="{28A0092B-C50C-407E-A947-70E740481C1C}">
                   <a14:useLocalDpi xmlns:a14="http://schemas.microsoft.com/office/drawing/2010/main" val="0"/>
@@ -7200,7 +8138,7 @@
             </p:nvPr>
           </p:nvPicPr>
           <p:blipFill rotWithShape="1">
-            <a:blip r:embed="rId3">
+            <a:blip r:embed="rId4">
               <a:extLst>
                 <a:ext uri="{28A0092B-C50C-407E-A947-70E740481C1C}">
                   <a14:useLocalDpi xmlns:a14="http://schemas.microsoft.com/office/drawing/2010/main" val="0"/>
@@ -7272,7 +8210,7 @@
           <p:nvPr/>
         </p:nvPicPr>
         <p:blipFill>
-          <a:blip r:embed="rId4"/>
+          <a:blip r:embed="rId5"/>
           <a:stretch>
             <a:fillRect/>
           </a:stretch>
@@ -8309,7 +9247,7 @@
                 </a:solidFill>
                 <a:latin typeface="zeitung"/>
               </a:rPr>
-              <a:t>Demographics</a:t>
+              <a:t>Select demographics</a:t>
             </a:r>
           </a:p>
           <a:p>
@@ -8324,7 +9262,7 @@
                 </a:solidFill>
                 <a:latin typeface="zeitung"/>
               </a:rPr>
-              <a:t>Individual financial attributes, </a:t>
+              <a:t>Individual financial attributes</a:t>
             </a:r>
           </a:p>
           <a:p>
@@ -8389,7 +9327,7 @@
                 </a:solidFill>
                 <a:latin typeface="zeitung"/>
               </a:rPr>
-              <a:t>the debt-to-income (DTI) ratio</a:t>
+              <a:t>the total debt-to-income (DTI) ratio</a:t>
             </a:r>
           </a:p>
           <a:p>
@@ -8494,11 +9432,41 @@
           <a:p>
             <a:r>
               <a:rPr lang="en-US" b="1" dirty="0"/>
-              <a:t>QUESTION 1:  How do customer demographics (e.g., age, gender, income) correlate with customer financial health</a:t>
-            </a:r>
-          </a:p>
-        </p:txBody>
-      </p:sp>
+              <a:t>QUESTION 1:  How do customer demographics (e.g., age, gender, income) correlate with customer financial health?</a:t>
+            </a:r>
+          </a:p>
+        </p:txBody>
+      </p:sp>
+      <p:pic>
+        <p:nvPicPr>
+          <p:cNvPr id="5" name="Picture 4">
+            <a:extLst>
+              <a:ext uri="{FF2B5EF4-FFF2-40B4-BE49-F238E27FC236}">
+                <a16:creationId xmlns:a16="http://schemas.microsoft.com/office/drawing/2014/main" id="{B7991494-B22A-1BDC-2F1B-DD4B84D3A6FB}"/>
+              </a:ext>
+            </a:extLst>
+          </p:cNvPr>
+          <p:cNvPicPr>
+            <a:picLocks noChangeAspect="1"/>
+          </p:cNvPicPr>
+          <p:nvPr/>
+        </p:nvPicPr>
+        <p:blipFill>
+          <a:blip r:embed="rId2"/>
+          <a:stretch>
+            <a:fillRect/>
+          </a:stretch>
+        </p:blipFill>
+        <p:spPr>
+          <a:xfrm>
+            <a:off x="2920424" y="3429000"/>
+            <a:ext cx="6351151" cy="2651299"/>
+          </a:xfrm>
+          <a:prstGeom prst="rect">
+            <a:avLst/>
+          </a:prstGeom>
+        </p:spPr>
+      </p:pic>
     </p:spTree>
     <p:extLst>
       <p:ext uri="{BB962C8B-B14F-4D97-AF65-F5344CB8AC3E}">
@@ -9743,7 +10711,25 @@
                 </a:solidFill>
                 <a:latin typeface="Aptos" panose="020B0004020202020204" pitchFamily="34" charset="0"/>
               </a:rPr>
-              <a:t>How do financial attributes (e.g., card type, loan amount, credit score, total debt) correlate with customer financial health? </a:t>
+              <a:t>How do financial attributes (e.g., card </a:t>
+            </a:r>
+            <a:r>
+              <a:rPr lang="en-US" dirty="0">
+                <a:solidFill>
+                  <a:srgbClr val="000000"/>
+                </a:solidFill>
+                <a:latin typeface="Aptos" panose="020B0004020202020204" pitchFamily="34" charset="0"/>
+              </a:rPr>
+              <a:t>count</a:t>
+            </a:r>
+            <a:r>
+              <a:rPr lang="en-US" sz="1800" b="0" i="0" u="none" strike="noStrike" baseline="0" dirty="0">
+                <a:solidFill>
+                  <a:srgbClr val="000000"/>
+                </a:solidFill>
+                <a:latin typeface="Aptos" panose="020B0004020202020204" pitchFamily="34" charset="0"/>
+              </a:rPr>
+              <a:t>, credit score, total debt) correlate with customer financial health? </a:t>
             </a:r>
           </a:p>
           <a:p>
@@ -9759,6 +10745,36 @@
           </a:p>
         </p:txBody>
       </p:sp>
+      <p:pic>
+        <p:nvPicPr>
+          <p:cNvPr id="9" name="Picture 8">
+            <a:extLst>
+              <a:ext uri="{FF2B5EF4-FFF2-40B4-BE49-F238E27FC236}">
+                <a16:creationId xmlns:a16="http://schemas.microsoft.com/office/drawing/2014/main" id="{1CB6DE8D-AAFC-5CE4-8C03-551E3A2D199F}"/>
+              </a:ext>
+            </a:extLst>
+          </p:cNvPr>
+          <p:cNvPicPr>
+            <a:picLocks noChangeAspect="1"/>
+          </p:cNvPicPr>
+          <p:nvPr/>
+        </p:nvPicPr>
+        <p:blipFill>
+          <a:blip r:embed="rId2"/>
+          <a:stretch>
+            <a:fillRect/>
+          </a:stretch>
+        </p:blipFill>
+        <p:spPr>
+          <a:xfrm>
+            <a:off x="3227643" y="3324697"/>
+            <a:ext cx="5736714" cy="2667372"/>
+          </a:xfrm>
+          <a:prstGeom prst="rect">
+            <a:avLst/>
+          </a:prstGeom>
+        </p:spPr>
+      </p:pic>
     </p:spTree>
     <p:extLst>
       <p:ext uri="{BB962C8B-B14F-4D97-AF65-F5344CB8AC3E}">
@@ -9907,8 +10923,8 @@
         </p:blipFill>
         <p:spPr>
           <a:xfrm>
-            <a:off x="6418582" y="1345214"/>
-            <a:ext cx="4498543" cy="4167569"/>
+            <a:off x="6054630" y="1345214"/>
+            <a:ext cx="4862495" cy="4504743"/>
           </a:xfrm>
           <a:prstGeom prst="rect">
             <a:avLst/>

--- a/Project 1 Group 12 Presentation_CM.pptx
+++ b/Project 1 Group 12 Presentation_CM.pptx
@@ -5,7 +5,7 @@
     <p:sldMasterId id="2147483660" r:id="rId1"/>
   </p:sldMasterIdLst>
   <p:notesMasterIdLst>
-    <p:notesMasterId r:id="rId23"/>
+    <p:notesMasterId r:id="rId24"/>
   </p:notesMasterIdLst>
   <p:sldIdLst>
     <p:sldId id="256" r:id="rId2"/>
@@ -29,6 +29,7 @@
     <p:sldId id="277" r:id="rId20"/>
     <p:sldId id="267" r:id="rId21"/>
     <p:sldId id="276" r:id="rId22"/>
+    <p:sldId id="279" r:id="rId23"/>
   </p:sldIdLst>
   <p:sldSz cx="12192000" cy="6858000"/>
   <p:notesSz cx="6858000" cy="9144000"/>
@@ -217,7 +218,7 @@
           <a:p>
             <a:fld id="{FF01C324-1BDB-46BC-A742-C63537C312C1}" type="datetimeFigureOut">
               <a:rPr lang="en-US" smtClean="0"/>
-              <a:t>12/4/2024</a:t>
+              <a:t>12/5/2024</a:t>
             </a:fld>
             <a:endParaRPr lang="en-US"/>
           </a:p>
@@ -560,6 +561,44 @@
             </a:pPr>
             <a:r>
               <a:rPr lang="en-US" dirty="0"/>
+              <a:t>Data cleansing – removing dollar signs from monetary values</a:t>
+            </a:r>
+          </a:p>
+          <a:p>
+            <a:pPr marL="628650" lvl="1" indent="-171450">
+              <a:buFontTx/>
+              <a:buChar char="-"/>
+            </a:pPr>
+            <a:r>
+              <a:rPr lang="en-US" dirty="0"/>
+              <a:t>Reverse geocoding for state extract</a:t>
+            </a:r>
+          </a:p>
+          <a:p>
+            <a:pPr marL="628650" lvl="1" indent="-171450">
+              <a:buFontTx/>
+              <a:buChar char="-"/>
+            </a:pPr>
+            <a:r>
+              <a:rPr lang="en-US" dirty="0"/>
+              <a:t>Added columns for DTI, State, state </a:t>
+            </a:r>
+            <a:r>
+              <a:rPr lang="en-US" dirty="0" err="1"/>
+              <a:t>lat</a:t>
+            </a:r>
+            <a:r>
+              <a:rPr lang="en-US" dirty="0"/>
+              <a:t>/long</a:t>
+            </a:r>
+          </a:p>
+          <a:p>
+            <a:pPr marL="628650" lvl="1" indent="-171450">
+              <a:buFontTx/>
+              <a:buChar char="-"/>
+            </a:pPr>
+            <a:r>
+              <a:rPr lang="en-US" dirty="0"/>
               <a:t>The </a:t>
             </a:r>
             <a:r>
@@ -568,7 +607,7 @@
             </a:r>
             <a:r>
               <a:rPr lang="en-US" dirty="0"/>
-              <a:t> contained approximately 1,700 individual client IDs after merging and outlier elimination.</a:t>
+              <a:t> contained approximately 1,700 individual client IDs after merging and outlier elimination</a:t>
             </a:r>
           </a:p>
           <a:p>
@@ -1813,7 +1852,7 @@
           <a:p>
             <a:fld id="{689C8980-B55D-4848-95F6-42353735C198}" type="datetimeFigureOut">
               <a:rPr lang="en-US" smtClean="0"/>
-              <a:t>12/4/2024</a:t>
+              <a:t>12/5/2024</a:t>
             </a:fld>
             <a:endParaRPr lang="en-US"/>
           </a:p>
@@ -2137,7 +2176,7 @@
           <a:p>
             <a:fld id="{689C8980-B55D-4848-95F6-42353735C198}" type="datetimeFigureOut">
               <a:rPr lang="en-US" smtClean="0"/>
-              <a:t>12/4/2024</a:t>
+              <a:t>12/5/2024</a:t>
             </a:fld>
             <a:endParaRPr lang="en-US"/>
           </a:p>
@@ -2385,7 +2424,7 @@
           <a:p>
             <a:fld id="{689C8980-B55D-4848-95F6-42353735C198}" type="datetimeFigureOut">
               <a:rPr lang="en-US" smtClean="0"/>
-              <a:t>12/4/2024</a:t>
+              <a:t>12/5/2024</a:t>
             </a:fld>
             <a:endParaRPr lang="en-US"/>
           </a:p>
@@ -2724,7 +2763,7 @@
           <a:p>
             <a:fld id="{689C8980-B55D-4848-95F6-42353735C198}" type="datetimeFigureOut">
               <a:rPr lang="en-US" smtClean="0"/>
-              <a:t>12/4/2024</a:t>
+              <a:t>12/5/2024</a:t>
             </a:fld>
             <a:endParaRPr lang="en-US"/>
           </a:p>
@@ -3071,7 +3110,7 @@
           <a:p>
             <a:fld id="{689C8980-B55D-4848-95F6-42353735C198}" type="datetimeFigureOut">
               <a:rPr lang="en-US" smtClean="0"/>
-              <a:t>12/4/2024</a:t>
+              <a:t>12/5/2024</a:t>
             </a:fld>
             <a:endParaRPr lang="en-US"/>
           </a:p>
@@ -3445,7 +3484,7 @@
           <a:p>
             <a:fld id="{689C8980-B55D-4848-95F6-42353735C198}" type="datetimeFigureOut">
               <a:rPr lang="en-US" smtClean="0"/>
-              <a:t>12/4/2024</a:t>
+              <a:t>12/5/2024</a:t>
             </a:fld>
             <a:endParaRPr lang="en-US"/>
           </a:p>
@@ -3915,7 +3954,7 @@
           <a:p>
             <a:fld id="{689C8980-B55D-4848-95F6-42353735C198}" type="datetimeFigureOut">
               <a:rPr lang="en-US" smtClean="0"/>
-              <a:t>12/4/2024</a:t>
+              <a:t>12/5/2024</a:t>
             </a:fld>
             <a:endParaRPr lang="en-US"/>
           </a:p>
@@ -4120,7 +4159,7 @@
           <a:p>
             <a:fld id="{689C8980-B55D-4848-95F6-42353735C198}" type="datetimeFigureOut">
               <a:rPr lang="en-US" smtClean="0"/>
-              <a:t>12/4/2024</a:t>
+              <a:t>12/5/2024</a:t>
             </a:fld>
             <a:endParaRPr lang="en-US"/>
           </a:p>
@@ -4331,7 +4370,7 @@
           <a:p>
             <a:fld id="{689C8980-B55D-4848-95F6-42353735C198}" type="datetimeFigureOut">
               <a:rPr lang="en-US" smtClean="0"/>
-              <a:t>12/4/2024</a:t>
+              <a:t>12/5/2024</a:t>
             </a:fld>
             <a:endParaRPr lang="en-US"/>
           </a:p>
@@ -4563,7 +4602,7 @@
           <a:p>
             <a:fld id="{689C8980-B55D-4848-95F6-42353735C198}" type="datetimeFigureOut">
               <a:rPr lang="en-US" smtClean="0"/>
-              <a:t>12/4/2024</a:t>
+              <a:t>12/5/2024</a:t>
             </a:fld>
             <a:endParaRPr lang="en-US"/>
           </a:p>
@@ -4811,7 +4850,7 @@
           <a:p>
             <a:fld id="{689C8980-B55D-4848-95F6-42353735C198}" type="datetimeFigureOut">
               <a:rPr lang="en-US" smtClean="0"/>
-              <a:t>12/4/2024</a:t>
+              <a:t>12/5/2024</a:t>
             </a:fld>
             <a:endParaRPr lang="en-US"/>
           </a:p>
@@ -5109,7 +5148,7 @@
           <a:p>
             <a:fld id="{689C8980-B55D-4848-95F6-42353735C198}" type="datetimeFigureOut">
               <a:rPr lang="en-US" smtClean="0"/>
-              <a:t>12/4/2024</a:t>
+              <a:t>12/5/2024</a:t>
             </a:fld>
             <a:endParaRPr lang="en-US"/>
           </a:p>
@@ -5503,7 +5542,7 @@
           <a:p>
             <a:fld id="{689C8980-B55D-4848-95F6-42353735C198}" type="datetimeFigureOut">
               <a:rPr lang="en-US" smtClean="0"/>
-              <a:t>12/4/2024</a:t>
+              <a:t>12/5/2024</a:t>
             </a:fld>
             <a:endParaRPr lang="en-US"/>
           </a:p>
@@ -5652,7 +5691,7 @@
           <a:p>
             <a:fld id="{689C8980-B55D-4848-95F6-42353735C198}" type="datetimeFigureOut">
               <a:rPr lang="en-US" smtClean="0"/>
-              <a:t>12/4/2024</a:t>
+              <a:t>12/5/2024</a:t>
             </a:fld>
             <a:endParaRPr lang="en-US"/>
           </a:p>
@@ -5778,7 +5817,7 @@
           <a:p>
             <a:fld id="{689C8980-B55D-4848-95F6-42353735C198}" type="datetimeFigureOut">
               <a:rPr lang="en-US" smtClean="0"/>
-              <a:t>12/4/2024</a:t>
+              <a:t>12/5/2024</a:t>
             </a:fld>
             <a:endParaRPr lang="en-US"/>
           </a:p>
@@ -6033,7 +6072,7 @@
           <a:p>
             <a:fld id="{689C8980-B55D-4848-95F6-42353735C198}" type="datetimeFigureOut">
               <a:rPr lang="en-US" smtClean="0"/>
-              <a:t>12/4/2024</a:t>
+              <a:t>12/5/2024</a:t>
             </a:fld>
             <a:endParaRPr lang="en-US"/>
           </a:p>
@@ -6348,7 +6387,7 @@
           <a:p>
             <a:fld id="{689C8980-B55D-4848-95F6-42353735C198}" type="datetimeFigureOut">
               <a:rPr lang="en-US" smtClean="0"/>
-              <a:t>12/4/2024</a:t>
+              <a:t>12/5/2024</a:t>
             </a:fld>
             <a:endParaRPr lang="en-US"/>
           </a:p>
@@ -6699,7 +6738,7 @@
           <a:p>
             <a:fld id="{689C8980-B55D-4848-95F6-42353735C198}" type="datetimeFigureOut">
               <a:rPr lang="en-US" smtClean="0"/>
-              <a:t>12/4/2024</a:t>
+              <a:t>12/5/2024</a:t>
             </a:fld>
             <a:endParaRPr lang="en-US"/>
           </a:p>
@@ -8744,7 +8783,7 @@
         </p:nvSpPr>
         <p:spPr>
           <a:xfrm>
-            <a:off x="1415605" y="2577051"/>
+            <a:off x="1415605" y="2643813"/>
             <a:ext cx="9360790" cy="1031051"/>
           </a:xfrm>
           <a:prstGeom prst="rect">
@@ -9108,6 +9147,201 @@
     <p:extLst>
       <p:ext uri="{BB962C8B-B14F-4D97-AF65-F5344CB8AC3E}">
         <p14:creationId xmlns:p14="http://schemas.microsoft.com/office/powerpoint/2010/main" val="253129107"/>
+      </p:ext>
+    </p:extLst>
+  </p:cSld>
+  <p:clrMapOvr>
+    <a:masterClrMapping/>
+  </p:clrMapOvr>
+</p:sld>
+</file>
+
+<file path=ppt/slides/slide22.xml><?xml version="1.0" encoding="utf-8"?>
+<p:sld xmlns:a="http://schemas.openxmlformats.org/drawingml/2006/main" xmlns:r="http://schemas.openxmlformats.org/officeDocument/2006/relationships" xmlns:p="http://schemas.openxmlformats.org/presentationml/2006/main">
+  <p:cSld>
+    <p:spTree>
+      <p:nvGrpSpPr>
+        <p:cNvPr id="1" name=""/>
+        <p:cNvGrpSpPr/>
+        <p:nvPr/>
+      </p:nvGrpSpPr>
+      <p:grpSpPr>
+        <a:xfrm>
+          <a:off x="0" y="0"/>
+          <a:ext cx="0" cy="0"/>
+          <a:chOff x="0" y="0"/>
+          <a:chExt cx="0" cy="0"/>
+        </a:xfrm>
+      </p:grpSpPr>
+      <p:sp>
+        <p:nvSpPr>
+          <p:cNvPr id="2" name="Title 1">
+            <a:extLst>
+              <a:ext uri="{FF2B5EF4-FFF2-40B4-BE49-F238E27FC236}">
+                <a16:creationId xmlns:a16="http://schemas.microsoft.com/office/drawing/2014/main" id="{EB638093-BD22-3947-0615-3148BA84C019}"/>
+              </a:ext>
+            </a:extLst>
+          </p:cNvPr>
+          <p:cNvSpPr>
+            <a:spLocks noGrp="1"/>
+          </p:cNvSpPr>
+          <p:nvPr>
+            <p:ph type="title"/>
+          </p:nvPr>
+        </p:nvSpPr>
+        <p:spPr/>
+        <p:txBody>
+          <a:bodyPr/>
+          <a:lstStyle/>
+          <a:p>
+            <a:r>
+              <a:rPr lang="en-US" dirty="0"/>
+              <a:t>Works Cited	</a:t>
+            </a:r>
+          </a:p>
+        </p:txBody>
+      </p:sp>
+      <p:sp>
+        <p:nvSpPr>
+          <p:cNvPr id="3" name="TextBox 2">
+            <a:extLst>
+              <a:ext uri="{FF2B5EF4-FFF2-40B4-BE49-F238E27FC236}">
+                <a16:creationId xmlns:a16="http://schemas.microsoft.com/office/drawing/2014/main" id="{7515C616-6C01-3B45-E57C-A19B8371181B}"/>
+              </a:ext>
+            </a:extLst>
+          </p:cNvPr>
+          <p:cNvSpPr txBox="1"/>
+          <p:nvPr/>
+        </p:nvSpPr>
+        <p:spPr>
+          <a:xfrm>
+            <a:off x="1542361" y="2677099"/>
+            <a:ext cx="9188068" cy="2585323"/>
+          </a:xfrm>
+          <a:prstGeom prst="rect">
+            <a:avLst/>
+          </a:prstGeom>
+          <a:noFill/>
+        </p:spPr>
+        <p:txBody>
+          <a:bodyPr wrap="square" rtlCol="0">
+            <a:spAutoFit/>
+          </a:bodyPr>
+          <a:lstStyle/>
+          <a:p>
+            <a:r>
+              <a:rPr lang="en-US" i="0" dirty="0">
+                <a:solidFill>
+                  <a:srgbClr val="202124"/>
+                </a:solidFill>
+                <a:effectLst/>
+                <a:latin typeface="zeitung"/>
+              </a:rPr>
+              <a:t>Financial Transactions Dataset: Analytics</a:t>
+            </a:r>
+          </a:p>
+          <a:p>
+            <a:r>
+              <a:rPr lang="en-US" sz="1800" b="0" i="0" u="none" strike="noStrike" baseline="0" dirty="0">
+                <a:solidFill>
+                  <a:srgbClr val="467885"/>
+                </a:solidFill>
+                <a:latin typeface="Aptos" panose="020B0004020202020204" pitchFamily="34" charset="0"/>
+                <a:hlinkClick r:id="rId2"/>
+              </a:rPr>
+              <a:t>https://www.kaggle.com/datasets/computingvictor/transactions-fraud-datasets/code</a:t>
+            </a:r>
+            <a:endParaRPr lang="en-US" sz="1800" b="0" i="0" u="none" strike="noStrike" baseline="0" dirty="0">
+              <a:solidFill>
+                <a:srgbClr val="467885"/>
+              </a:solidFill>
+              <a:latin typeface="Aptos" panose="020B0004020202020204" pitchFamily="34" charset="0"/>
+            </a:endParaRPr>
+          </a:p>
+          <a:p>
+            <a:endParaRPr lang="en-US" i="0" dirty="0">
+              <a:solidFill>
+                <a:srgbClr val="202124"/>
+              </a:solidFill>
+              <a:effectLst/>
+              <a:latin typeface="zeitung"/>
+            </a:endParaRPr>
+          </a:p>
+          <a:p>
+            <a:r>
+              <a:rPr lang="en-US" i="0" dirty="0">
+                <a:solidFill>
+                  <a:srgbClr val="202124"/>
+                </a:solidFill>
+                <a:effectLst/>
+                <a:latin typeface="zeitung"/>
+              </a:rPr>
+              <a:t>Kaggle: Introduction to Folium</a:t>
+            </a:r>
+            <a:endParaRPr lang="en-US" dirty="0">
+              <a:solidFill>
+                <a:srgbClr val="467885"/>
+              </a:solidFill>
+              <a:latin typeface="Aptos" panose="020B0004020202020204" pitchFamily="34" charset="0"/>
+            </a:endParaRPr>
+          </a:p>
+          <a:p>
+            <a:r>
+              <a:rPr lang="en-US" dirty="0">
+                <a:hlinkClick r:id="rId3"/>
+              </a:rPr>
+              <a:t>https://www.kaggle.com/code/imdevskp/folium</a:t>
+            </a:r>
+            <a:endParaRPr lang="en-US" dirty="0">
+              <a:solidFill>
+                <a:srgbClr val="467885"/>
+              </a:solidFill>
+              <a:latin typeface="Aptos" panose="020B0004020202020204" pitchFamily="34" charset="0"/>
+            </a:endParaRPr>
+          </a:p>
+          <a:p>
+            <a:endParaRPr lang="en-US" dirty="0">
+              <a:solidFill>
+                <a:srgbClr val="467885"/>
+              </a:solidFill>
+              <a:latin typeface="Aptos" panose="020B0004020202020204" pitchFamily="34" charset="0"/>
+            </a:endParaRPr>
+          </a:p>
+          <a:p>
+            <a:r>
+              <a:rPr lang="en-US" i="0" dirty="0">
+                <a:solidFill>
+                  <a:srgbClr val="202124"/>
+                </a:solidFill>
+                <a:effectLst/>
+                <a:latin typeface="zeitung"/>
+              </a:rPr>
+              <a:t>ChatGPT – Python AI Assistance</a:t>
+            </a:r>
+          </a:p>
+          <a:p>
+            <a:r>
+              <a:rPr lang="en-US" dirty="0">
+                <a:hlinkClick r:id="rId4"/>
+              </a:rPr>
+              <a:t>https://chatgpt.com/</a:t>
+            </a:r>
+            <a:endParaRPr lang="en-US" dirty="0">
+              <a:solidFill>
+                <a:srgbClr val="202124"/>
+              </a:solidFill>
+              <a:latin typeface="zeitung"/>
+            </a:endParaRPr>
+          </a:p>
+          <a:p>
+            <a:endParaRPr lang="en-US" dirty="0"/>
+          </a:p>
+        </p:txBody>
+      </p:sp>
+    </p:spTree>
+    <p:extLst>
+      <p:ext uri="{BB962C8B-B14F-4D97-AF65-F5344CB8AC3E}">
+        <p14:creationId xmlns:p14="http://schemas.microsoft.com/office/powerpoint/2010/main" val="39146641"/>
       </p:ext>
     </p:extLst>
   </p:cSld>
